--- a/Costa RIca Crime Data Visualization Web Application.pptx
+++ b/Costa RIca Crime Data Visualization Web Application.pptx
@@ -4006,7 +4006,7 @@
         </p:spPr>
         <p:txBody>
           <a:bodyPr>
-            <a:normAutofit fontScale="92500" lnSpcReduction="10000"/>
+            <a:normAutofit fontScale="77500" lnSpcReduction="20000"/>
           </a:bodyPr>
           <a:lstStyle/>
           <a:p>
@@ -4121,12 +4121,19 @@
               </a:rPr>
               <a:t> in 2019 </a:t>
             </a:r>
-            <a:endParaRPr lang="en-US" dirty="0">
-              <a:solidFill>
-                <a:srgbClr val="000000"/>
-              </a:solidFill>
-              <a:latin typeface="Helvetica Neue" panose="02000503000000020004" pitchFamily="2" charset="0"/>
-            </a:endParaRPr>
+          </a:p>
+          <a:p>
+            <a:pPr lvl="2"/>
+            <a:r>
+              <a:rPr lang="en-US" dirty="0">
+                <a:solidFill>
+                  <a:srgbClr val="000000"/>
+                </a:solidFill>
+                <a:effectLst/>
+                <a:latin typeface="Helvetica Neue" panose="02000503000000020004" pitchFamily="2" charset="0"/>
+              </a:rPr>
+              <a:t>Rio Cuarto canton was created in 2019</a:t>
+            </a:r>
           </a:p>
           <a:p>
             <a:pPr marL="342900" indent="-342900">
@@ -4267,33 +4274,90 @@
               <a:t>Guacimo</a:t>
             </a:r>
             <a:r>
-              <a:rPr lang="en-US">
-                <a:solidFill>
-                  <a:srgbClr val="101418"/>
-                </a:solidFill>
-                <a:latin typeface="Neue Haas Grotesk Text Pro" panose="020B0504020202020204" pitchFamily="34" charset="77"/>
-              </a:rPr>
-              <a:t> canton </a:t>
-            </a:r>
-            <a:r>
               <a:rPr lang="en-US" dirty="0">
                 <a:solidFill>
                   <a:srgbClr val="101418"/>
                 </a:solidFill>
                 <a:latin typeface="Neue Haas Grotesk Text Pro" panose="020B0504020202020204" pitchFamily="34" charset="77"/>
               </a:rPr>
-              <a:t>was a similar story . The crime data spelled the district as Merecedes, rather than Mercedes which is the official government legal name for the district. </a:t>
-            </a:r>
-            <a:endParaRPr lang="en-US" b="0" i="0" dirty="0">
-              <a:solidFill>
-                <a:srgbClr val="101418"/>
-              </a:solidFill>
-              <a:effectLst/>
-              <a:latin typeface="Neue Haas Grotesk Text Pro" panose="020B0504020202020204" pitchFamily="34" charset="77"/>
-            </a:endParaRPr>
+              <a:t> canton was a similar story . The crime data spelled the district as Merecedes, rather than Mercedes which is the official government legal name for the district. </a:t>
+            </a:r>
+          </a:p>
+          <a:p>
+            <a:pPr marL="342900" indent="-342900">
+              <a:buFont typeface="+mj-lt"/>
+              <a:buAutoNum type="arabicPeriod"/>
+            </a:pPr>
+            <a:r>
+              <a:rPr lang="en-US" b="0" i="0" dirty="0">
+                <a:solidFill>
+                  <a:srgbClr val="101418"/>
+                </a:solidFill>
+                <a:effectLst/>
+                <a:latin typeface="Neue Haas Grotesk Text Pro" panose="020B0504020202020204" pitchFamily="34" charset="77"/>
+              </a:rPr>
+              <a:t>Clear human error</a:t>
+            </a:r>
           </a:p>
           <a:p>
             <a:pPr lvl="2"/>
+            <a:r>
+              <a:rPr lang="en-US" dirty="0" err="1">
+                <a:solidFill>
+                  <a:srgbClr val="000000"/>
+                </a:solidFill>
+                <a:latin typeface="Helvetica Neue" panose="02000503000000020004" pitchFamily="2" charset="0"/>
+              </a:rPr>
+              <a:t>Sierpe</a:t>
+            </a:r>
+            <a:r>
+              <a:rPr lang="en-US" dirty="0">
+                <a:solidFill>
+                  <a:srgbClr val="000000"/>
+                </a:solidFill>
+                <a:latin typeface="Helvetica Neue" panose="02000503000000020004" pitchFamily="2" charset="0"/>
+              </a:rPr>
+              <a:t> district is in the canton of Osa, but was mistakenly labeled to have the canton of Puntarenas in the </a:t>
+            </a:r>
+            <a:r>
+              <a:rPr lang="en-US" dirty="0" err="1">
+                <a:solidFill>
+                  <a:srgbClr val="000000"/>
+                </a:solidFill>
+                <a:latin typeface="Helvetica Neue" panose="02000503000000020004" pitchFamily="2" charset="0"/>
+              </a:rPr>
+              <a:t>GeoJSON</a:t>
+            </a:r>
+            <a:r>
+              <a:rPr lang="en-US" dirty="0">
+                <a:solidFill>
+                  <a:srgbClr val="000000"/>
+                </a:solidFill>
+                <a:latin typeface="Helvetica Neue" panose="02000503000000020004" pitchFamily="2" charset="0"/>
+              </a:rPr>
+              <a:t>.</a:t>
+            </a:r>
+          </a:p>
+          <a:p>
+            <a:pPr lvl="2"/>
+            <a:r>
+              <a:rPr lang="en-US" dirty="0">
+                <a:solidFill>
+                  <a:srgbClr val="000000"/>
+                </a:solidFill>
+                <a:latin typeface="Helvetica Neue" panose="02000503000000020004" pitchFamily="2" charset="0"/>
+              </a:rPr>
+              <a:t>Angeles district of San Rafael is actually named Los Angeles district of San </a:t>
+            </a:r>
+            <a:r>
+              <a:rPr lang="en-US">
+                <a:solidFill>
+                  <a:srgbClr val="000000"/>
+                </a:solidFill>
+                <a:latin typeface="Helvetica Neue" panose="02000503000000020004" pitchFamily="2" charset="0"/>
+              </a:rPr>
+              <a:t>Rafael canton</a:t>
+            </a:r>
             <a:endParaRPr lang="en-US" b="0" i="0" dirty="0">
               <a:solidFill>
                 <a:srgbClr val="101418"/>

--- a/Costa RIca Crime Data Visualization Web Application.pptx
+++ b/Costa RIca Crime Data Visualization Web Application.pptx
@@ -10,7 +10,9 @@
     <p:sldId id="257" r:id="rId4"/>
     <p:sldId id="258" r:id="rId5"/>
     <p:sldId id="260" r:id="rId6"/>
-    <p:sldId id="259" r:id="rId7"/>
+    <p:sldId id="262" r:id="rId7"/>
+    <p:sldId id="263" r:id="rId8"/>
+    <p:sldId id="259" r:id="rId9"/>
   </p:sldIdLst>
   <p:sldSz cx="12192000" cy="6858000"/>
   <p:notesSz cx="6858000" cy="9144000"/>
@@ -4347,16 +4349,25 @@
                 </a:solidFill>
                 <a:latin typeface="Helvetica Neue" panose="02000503000000020004" pitchFamily="2" charset="0"/>
               </a:rPr>
-              <a:t>Angeles district of San Rafael is actually named Los Angeles district of San </a:t>
-            </a:r>
-            <a:r>
-              <a:rPr lang="en-US">
+              <a:t>Angeles district of San Rafael was misspelled in the </a:t>
+            </a:r>
+            <a:r>
+              <a:rPr lang="en-US" dirty="0" err="1">
                 <a:solidFill>
                   <a:srgbClr val="000000"/>
                 </a:solidFill>
                 <a:latin typeface="Helvetica Neue" panose="02000503000000020004" pitchFamily="2" charset="0"/>
               </a:rPr>
-              <a:t>Rafael canton</a:t>
+              <a:t>GeoJSON</a:t>
+            </a:r>
+            <a:r>
+              <a:rPr lang="en-US" dirty="0">
+                <a:solidFill>
+                  <a:srgbClr val="000000"/>
+                </a:solidFill>
+                <a:latin typeface="Helvetica Neue" panose="02000503000000020004" pitchFamily="2" charset="0"/>
+              </a:rPr>
+              <a:t> and is actually legally named Los Angeles district of San Rafael canton </a:t>
             </a:r>
             <a:endParaRPr lang="en-US" b="0" i="0" dirty="0">
               <a:solidFill>
@@ -4417,6 +4428,224 @@
           <p:cNvPr id="2" name="Title 1">
             <a:extLst>
               <a:ext uri="{FF2B5EF4-FFF2-40B4-BE49-F238E27FC236}">
+                <a16:creationId xmlns:a16="http://schemas.microsoft.com/office/drawing/2014/main" id="{A0BFDCBB-C619-ADC5-CEBB-77D495472F63}"/>
+              </a:ext>
+            </a:extLst>
+          </p:cNvPr>
+          <p:cNvSpPr>
+            <a:spLocks noGrp="1"/>
+          </p:cNvSpPr>
+          <p:nvPr>
+            <p:ph type="title"/>
+          </p:nvPr>
+        </p:nvSpPr>
+        <p:spPr/>
+        <p:txBody>
+          <a:bodyPr/>
+          <a:lstStyle/>
+          <a:p>
+            <a:r>
+              <a:rPr lang="en-US" dirty="0"/>
+              <a:t>The Biggest Problems &amp; How I would Tackle them</a:t>
+            </a:r>
+          </a:p>
+        </p:txBody>
+      </p:sp>
+      <p:sp>
+        <p:nvSpPr>
+          <p:cNvPr id="3" name="Content Placeholder 2">
+            <a:extLst>
+              <a:ext uri="{FF2B5EF4-FFF2-40B4-BE49-F238E27FC236}">
+                <a16:creationId xmlns:a16="http://schemas.microsoft.com/office/drawing/2014/main" id="{6B28207B-4AED-5983-D581-F907E0F2E64C}"/>
+              </a:ext>
+            </a:extLst>
+          </p:cNvPr>
+          <p:cNvSpPr>
+            <a:spLocks noGrp="1"/>
+          </p:cNvSpPr>
+          <p:nvPr>
+            <p:ph idx="1"/>
+          </p:nvPr>
+        </p:nvSpPr>
+        <p:spPr/>
+        <p:txBody>
+          <a:bodyPr/>
+          <a:lstStyle/>
+          <a:p>
+            <a:pPr marL="0" indent="0">
+              <a:buNone/>
+            </a:pPr>
+            <a:r>
+              <a:rPr lang="en-US" dirty="0"/>
+              <a:t>DATA MERGING ISSUES!</a:t>
+            </a:r>
+          </a:p>
+          <a:p>
+            <a:pPr marL="0" indent="0">
+              <a:buNone/>
+            </a:pPr>
+            <a:r>
+              <a:rPr lang="en-US" dirty="0"/>
+              <a:t>I had issues merging certain district data when the data was present in the crime datasets and the </a:t>
+            </a:r>
+            <a:r>
+              <a:rPr lang="en-US" dirty="0" err="1"/>
+              <a:t>GeoJSON</a:t>
+            </a:r>
+            <a:r>
+              <a:rPr lang="en-US" dirty="0"/>
+              <a:t>. I learned that the </a:t>
+            </a:r>
+            <a:r>
+              <a:rPr lang="en-US" dirty="0" err="1"/>
+              <a:t>pd.merge</a:t>
+            </a:r>
+            <a:r>
+              <a:rPr lang="en-US" dirty="0"/>
+              <a:t>() function automatically resorts to its default settings of merging how=“inner” which merges each dataset based on columns which are present in each, since some districts have null data for certain years (meaning, no reported crimes!), the district gets lost after the merge, incurring in null data for the whole district. </a:t>
+            </a:r>
+          </a:p>
+          <a:p>
+            <a:pPr marL="0" indent="0">
+              <a:buNone/>
+            </a:pPr>
+            <a:r>
+              <a:rPr lang="en-US" dirty="0"/>
+              <a:t>The fix: how=“outer” for the merge of each years overall total crimes.</a:t>
+            </a:r>
+          </a:p>
+          <a:p>
+            <a:pPr marL="0" indent="0">
+              <a:buNone/>
+            </a:pPr>
+            <a:endParaRPr lang="en-US" dirty="0"/>
+          </a:p>
+        </p:txBody>
+      </p:sp>
+    </p:spTree>
+    <p:extLst>
+      <p:ext uri="{BB962C8B-B14F-4D97-AF65-F5344CB8AC3E}">
+        <p14:creationId xmlns:p14="http://schemas.microsoft.com/office/powerpoint/2010/main" val="770421557"/>
+      </p:ext>
+    </p:extLst>
+  </p:cSld>
+  <p:clrMapOvr>
+    <a:masterClrMapping/>
+  </p:clrMapOvr>
+</p:sld>
+</file>
+
+<file path=ppt/slides/slide7.xml><?xml version="1.0" encoding="utf-8"?>
+<p:sld xmlns:a="http://schemas.openxmlformats.org/drawingml/2006/main" xmlns:r="http://schemas.openxmlformats.org/officeDocument/2006/relationships" xmlns:p="http://schemas.openxmlformats.org/presentationml/2006/main">
+  <p:cSld>
+    <p:spTree>
+      <p:nvGrpSpPr>
+        <p:cNvPr id="1" name=""/>
+        <p:cNvGrpSpPr/>
+        <p:nvPr/>
+      </p:nvGrpSpPr>
+      <p:grpSpPr>
+        <a:xfrm>
+          <a:off x="0" y="0"/>
+          <a:ext cx="0" cy="0"/>
+          <a:chOff x="0" y="0"/>
+          <a:chExt cx="0" cy="0"/>
+        </a:xfrm>
+      </p:grpSpPr>
+      <p:sp>
+        <p:nvSpPr>
+          <p:cNvPr id="2" name="Title 1">
+            <a:extLst>
+              <a:ext uri="{FF2B5EF4-FFF2-40B4-BE49-F238E27FC236}">
+                <a16:creationId xmlns:a16="http://schemas.microsoft.com/office/drawing/2014/main" id="{F07D532A-E064-E717-1D96-D896A0423E6F}"/>
+              </a:ext>
+            </a:extLst>
+          </p:cNvPr>
+          <p:cNvSpPr>
+            <a:spLocks noGrp="1"/>
+          </p:cNvSpPr>
+          <p:nvPr>
+            <p:ph type="title"/>
+          </p:nvPr>
+        </p:nvSpPr>
+        <p:spPr/>
+        <p:txBody>
+          <a:bodyPr/>
+          <a:lstStyle/>
+          <a:p>
+            <a:r>
+              <a:rPr lang="en-US" dirty="0"/>
+              <a:t>What Functionality I Would Add Next</a:t>
+            </a:r>
+          </a:p>
+        </p:txBody>
+      </p:sp>
+      <p:sp>
+        <p:nvSpPr>
+          <p:cNvPr id="3" name="Content Placeholder 2">
+            <a:extLst>
+              <a:ext uri="{FF2B5EF4-FFF2-40B4-BE49-F238E27FC236}">
+                <a16:creationId xmlns:a16="http://schemas.microsoft.com/office/drawing/2014/main" id="{E928A2C2-C8C5-2E97-D773-4B3B9C04DAEB}"/>
+              </a:ext>
+            </a:extLst>
+          </p:cNvPr>
+          <p:cNvSpPr>
+            <a:spLocks noGrp="1"/>
+          </p:cNvSpPr>
+          <p:nvPr>
+            <p:ph idx="1"/>
+          </p:nvPr>
+        </p:nvSpPr>
+        <p:spPr/>
+        <p:txBody>
+          <a:bodyPr/>
+          <a:lstStyle/>
+          <a:p>
+            <a:r>
+              <a:rPr lang="en-US" dirty="0"/>
+              <a:t>I would add a calculation for the crime rate to each district</a:t>
+            </a:r>
+          </a:p>
+          <a:p>
+            <a:endParaRPr lang="en-US" dirty="0"/>
+          </a:p>
+        </p:txBody>
+      </p:sp>
+    </p:spTree>
+    <p:extLst>
+      <p:ext uri="{BB962C8B-B14F-4D97-AF65-F5344CB8AC3E}">
+        <p14:creationId xmlns:p14="http://schemas.microsoft.com/office/powerpoint/2010/main" val="2676566550"/>
+      </p:ext>
+    </p:extLst>
+  </p:cSld>
+  <p:clrMapOvr>
+    <a:masterClrMapping/>
+  </p:clrMapOvr>
+</p:sld>
+</file>
+
+<file path=ppt/slides/slide8.xml><?xml version="1.0" encoding="utf-8"?>
+<p:sld xmlns:a="http://schemas.openxmlformats.org/drawingml/2006/main" xmlns:r="http://schemas.openxmlformats.org/officeDocument/2006/relationships" xmlns:p="http://schemas.openxmlformats.org/presentationml/2006/main">
+  <p:cSld>
+    <p:spTree>
+      <p:nvGrpSpPr>
+        <p:cNvPr id="1" name=""/>
+        <p:cNvGrpSpPr/>
+        <p:nvPr/>
+      </p:nvGrpSpPr>
+      <p:grpSpPr>
+        <a:xfrm>
+          <a:off x="0" y="0"/>
+          <a:ext cx="0" cy="0"/>
+          <a:chOff x="0" y="0"/>
+          <a:chExt cx="0" cy="0"/>
+        </a:xfrm>
+      </p:grpSpPr>
+      <p:sp>
+        <p:nvSpPr>
+          <p:cNvPr id="2" name="Title 1">
+            <a:extLst>
+              <a:ext uri="{FF2B5EF4-FFF2-40B4-BE49-F238E27FC236}">
                 <a16:creationId xmlns:a16="http://schemas.microsoft.com/office/drawing/2014/main" id="{BCF929FA-9A1A-C5AF-B3BB-CB848200B03B}"/>
               </a:ext>
             </a:extLst>
@@ -4458,10 +4687,53 @@
         </p:nvSpPr>
         <p:spPr/>
         <p:txBody>
-          <a:bodyPr/>
-          <a:lstStyle/>
-          <a:p>
-            <a:endParaRPr lang="en-US"/>
+          <a:bodyPr>
+            <a:normAutofit fontScale="92500" lnSpcReduction="20000"/>
+          </a:bodyPr>
+          <a:lstStyle/>
+          <a:p>
+            <a:r>
+              <a:rPr lang="en-US" dirty="0"/>
+              <a:t>I learned so much from this project. Inclusive, how numbers paint a story, and also the technical skills acquired through the pipeline of creating an interactive map based on real world data and launching a web application </a:t>
+            </a:r>
+          </a:p>
+          <a:p>
+            <a:pPr lvl="1"/>
+            <a:r>
+              <a:rPr lang="en-US" dirty="0"/>
+              <a:t>Folium is a great library to use to create maps, incredibly helpful and they have all of the tools I needed. It was all about reading the documentations and learning the technical parts of their functions</a:t>
+            </a:r>
+          </a:p>
+          <a:p>
+            <a:r>
+              <a:rPr lang="en-US" dirty="0"/>
+              <a:t>When a free hosting network is not working, try another! </a:t>
+            </a:r>
+          </a:p>
+          <a:p>
+            <a:r>
+              <a:rPr lang="en-US" dirty="0"/>
+              <a:t>There are a few districts in Costa Rica which either changed names, or changed Canton names in the past decade</a:t>
+            </a:r>
+          </a:p>
+          <a:p>
+            <a:r>
+              <a:rPr lang="en-US" dirty="0"/>
+              <a:t>Large scale data visualization is impossible to get accurately, but we sure can come as close as possible!</a:t>
+            </a:r>
+          </a:p>
+          <a:p>
+            <a:r>
+              <a:rPr lang="en-US" dirty="0"/>
+              <a:t>We must always take into account human error and edge cases dependent on the particular project mission within data sets.</a:t>
+            </a:r>
+          </a:p>
+          <a:p>
+            <a:pPr lvl="1"/>
+            <a:endParaRPr lang="en-US" dirty="0"/>
+          </a:p>
+          <a:p>
+            <a:endParaRPr lang="en-US" dirty="0"/>
           </a:p>
         </p:txBody>
       </p:sp>

--- a/Costa RIca Crime Data Visualization Web Application.pptx
+++ b/Costa RIca Crime Data Visualization Web Application.pptx
@@ -112,6 +112,11 @@
       </a:defRPr>
     </a:lvl9pPr>
   </p:defaultTextStyle>
+  <p:extLst>
+    <p:ext uri="{EFAFB233-063F-42B5-8137-9DF3F51BA10A}">
+      <p15:sldGuideLst xmlns:p15="http://schemas.microsoft.com/office/powerpoint/2012/main"/>
+    </p:ext>
+  </p:extLst>
 </p:presentation>
 </file>
 
@@ -14157,7 +14162,7 @@
           <a:p>
             <a:fld id="{C128FA71-3A18-48C0-980F-4B68F7F63042}" type="datetime1">
               <a:rPr lang="en-US" smtClean="0"/>
-              <a:t>4/28/25</a:t>
+              <a:t>4/29/25</a:t>
             </a:fld>
             <a:endParaRPr lang="en-US"/>
           </a:p>
@@ -14227,13 +14232,13 @@
   <p:clrMapOvr>
     <a:masterClrMapping/>
   </p:clrMapOvr>
-  <mc:AlternateContent xmlns:mc="http://schemas.openxmlformats.org/markup-compatibility/2006">
-    <mc:Choice xmlns:p14="http://schemas.microsoft.com/office/powerpoint/2010/main" Requires="p14">
+  <mc:AlternateContent xmlns:mc="http://schemas.openxmlformats.org/markup-compatibility/2006" xmlns:p14="http://schemas.microsoft.com/office/powerpoint/2010/main">
+    <mc:Choice Requires="p14">
       <p:transition spd="med" p14:dur="700">
         <p:fade/>
       </p:transition>
     </mc:Choice>
-    <mc:Fallback>
+    <mc:Fallback xmlns="">
       <p:transition spd="med">
         <p:fade/>
       </p:transition>
@@ -14377,7 +14382,7 @@
           <a:p>
             <a:fld id="{7104EDB3-C0E8-45F8-9E1D-1B6C8D1880C0}" type="datetime1">
               <a:rPr lang="en-US" smtClean="0"/>
-              <a:t>4/28/25</a:t>
+              <a:t>4/29/25</a:t>
             </a:fld>
             <a:endParaRPr lang="en-US"/>
           </a:p>
@@ -14447,13 +14452,13 @@
   <p:clrMapOvr>
     <a:masterClrMapping/>
   </p:clrMapOvr>
-  <mc:AlternateContent xmlns:mc="http://schemas.openxmlformats.org/markup-compatibility/2006">
-    <mc:Choice xmlns:p14="http://schemas.microsoft.com/office/powerpoint/2010/main" Requires="p14">
+  <mc:AlternateContent xmlns:mc="http://schemas.openxmlformats.org/markup-compatibility/2006" xmlns:p14="http://schemas.microsoft.com/office/powerpoint/2010/main">
+    <mc:Choice Requires="p14">
       <p:transition spd="med" p14:dur="700">
         <p:fade/>
       </p:transition>
     </mc:Choice>
-    <mc:Fallback>
+    <mc:Fallback xmlns="">
       <p:transition spd="med">
         <p:fade/>
       </p:transition>
@@ -14599,7 +14604,7 @@
           <a:p>
             <a:fld id="{9CF0EC4B-54ED-4041-B552-9BA760FA3DBA}" type="datetime1">
               <a:rPr lang="en-US" smtClean="0"/>
-              <a:t>4/28/25</a:t>
+              <a:t>4/29/25</a:t>
             </a:fld>
             <a:endParaRPr lang="en-US"/>
           </a:p>
@@ -14669,13 +14674,13 @@
   <p:clrMapOvr>
     <a:masterClrMapping/>
   </p:clrMapOvr>
-  <mc:AlternateContent xmlns:mc="http://schemas.openxmlformats.org/markup-compatibility/2006">
-    <mc:Choice xmlns:p14="http://schemas.microsoft.com/office/powerpoint/2010/main" Requires="p14">
+  <mc:AlternateContent xmlns:mc="http://schemas.openxmlformats.org/markup-compatibility/2006" xmlns:p14="http://schemas.microsoft.com/office/powerpoint/2010/main">
+    <mc:Choice Requires="p14">
       <p:transition spd="med" p14:dur="700">
         <p:fade/>
       </p:transition>
     </mc:Choice>
-    <mc:Fallback>
+    <mc:Fallback xmlns="">
       <p:transition spd="med">
         <p:fade/>
       </p:transition>
@@ -14809,7 +14814,7 @@
           <a:p>
             <a:fld id="{51C1210E-201E-4473-82AC-2466F5386C38}" type="datetime1">
               <a:rPr lang="en-US" smtClean="0"/>
-              <a:t>4/28/25</a:t>
+              <a:t>4/29/25</a:t>
             </a:fld>
             <a:endParaRPr lang="en-US"/>
           </a:p>
@@ -14879,13 +14884,13 @@
   <p:clrMapOvr>
     <a:masterClrMapping/>
   </p:clrMapOvr>
-  <mc:AlternateContent xmlns:mc="http://schemas.openxmlformats.org/markup-compatibility/2006">
-    <mc:Choice xmlns:p14="http://schemas.microsoft.com/office/powerpoint/2010/main" Requires="p14">
+  <mc:AlternateContent xmlns:mc="http://schemas.openxmlformats.org/markup-compatibility/2006" xmlns:p14="http://schemas.microsoft.com/office/powerpoint/2010/main">
+    <mc:Choice Requires="p14">
       <p:transition spd="med" p14:dur="700">
         <p:fade/>
       </p:transition>
     </mc:Choice>
-    <mc:Fallback>
+    <mc:Fallback xmlns="">
       <p:transition spd="med">
         <p:fade/>
       </p:transition>
@@ -15099,7 +15104,7 @@
           <a:p>
             <a:fld id="{B01EA198-6CAB-4B8F-B93F-1F9C8C4B6CE7}" type="datetime1">
               <a:rPr lang="en-US" smtClean="0"/>
-              <a:t>4/28/25</a:t>
+              <a:t>4/29/25</a:t>
             </a:fld>
             <a:endParaRPr lang="en-US"/>
           </a:p>
@@ -15169,13 +15174,13 @@
   <p:clrMapOvr>
     <a:masterClrMapping/>
   </p:clrMapOvr>
-  <mc:AlternateContent xmlns:mc="http://schemas.openxmlformats.org/markup-compatibility/2006">
-    <mc:Choice xmlns:p14="http://schemas.microsoft.com/office/powerpoint/2010/main" Requires="p14">
+  <mc:AlternateContent xmlns:mc="http://schemas.openxmlformats.org/markup-compatibility/2006" xmlns:p14="http://schemas.microsoft.com/office/powerpoint/2010/main">
+    <mc:Choice Requires="p14">
       <p:transition spd="med" p14:dur="700">
         <p:fade/>
       </p:transition>
     </mc:Choice>
-    <mc:Fallback>
+    <mc:Fallback xmlns="">
       <p:transition spd="med">
         <p:fade/>
       </p:transition>
@@ -15383,7 +15388,7 @@
           <a:p>
             <a:fld id="{CA06041F-4525-44D5-AA4F-332294BF1F56}" type="datetime1">
               <a:rPr lang="en-US" smtClean="0"/>
-              <a:t>4/28/25</a:t>
+              <a:t>4/29/25</a:t>
             </a:fld>
             <a:endParaRPr lang="en-US"/>
           </a:p>
@@ -15453,13 +15458,13 @@
   <p:clrMapOvr>
     <a:masterClrMapping/>
   </p:clrMapOvr>
-  <mc:AlternateContent xmlns:mc="http://schemas.openxmlformats.org/markup-compatibility/2006">
-    <mc:Choice xmlns:p14="http://schemas.microsoft.com/office/powerpoint/2010/main" Requires="p14">
+  <mc:AlternateContent xmlns:mc="http://schemas.openxmlformats.org/markup-compatibility/2006" xmlns:p14="http://schemas.microsoft.com/office/powerpoint/2010/main">
+    <mc:Choice Requires="p14">
       <p:transition spd="med" p14:dur="700">
         <p:fade/>
       </p:transition>
     </mc:Choice>
-    <mc:Fallback>
+    <mc:Fallback xmlns="">
       <p:transition spd="med">
         <p:fade/>
       </p:transition>
@@ -15819,7 +15824,7 @@
           <a:p>
             <a:fld id="{F9557091-BBDF-4EB9-BA6B-2BB67AC4FC0F}" type="datetime1">
               <a:rPr lang="en-US" smtClean="0"/>
-              <a:t>4/28/25</a:t>
+              <a:t>4/29/25</a:t>
             </a:fld>
             <a:endParaRPr lang="en-US"/>
           </a:p>
@@ -15889,13 +15894,13 @@
   <p:clrMapOvr>
     <a:masterClrMapping/>
   </p:clrMapOvr>
-  <mc:AlternateContent xmlns:mc="http://schemas.openxmlformats.org/markup-compatibility/2006">
-    <mc:Choice xmlns:p14="http://schemas.microsoft.com/office/powerpoint/2010/main" Requires="p14">
+  <mc:AlternateContent xmlns:mc="http://schemas.openxmlformats.org/markup-compatibility/2006" xmlns:p14="http://schemas.microsoft.com/office/powerpoint/2010/main">
+    <mc:Choice Requires="p14">
       <p:transition spd="med" p14:dur="700">
         <p:fade/>
       </p:transition>
     </mc:Choice>
-    <mc:Fallback>
+    <mc:Fallback xmlns="">
       <p:transition spd="med">
         <p:fade/>
       </p:transition>
@@ -15972,7 +15977,7 @@
           <a:p>
             <a:fld id="{2D6B226B-77A6-410C-9796-083F278E0125}" type="datetime1">
               <a:rPr lang="en-US" smtClean="0"/>
-              <a:t>4/28/25</a:t>
+              <a:t>4/29/25</a:t>
             </a:fld>
             <a:endParaRPr lang="en-US"/>
           </a:p>
@@ -16042,13 +16047,13 @@
   <p:clrMapOvr>
     <a:masterClrMapping/>
   </p:clrMapOvr>
-  <mc:AlternateContent xmlns:mc="http://schemas.openxmlformats.org/markup-compatibility/2006">
-    <mc:Choice xmlns:p14="http://schemas.microsoft.com/office/powerpoint/2010/main" Requires="p14">
+  <mc:AlternateContent xmlns:mc="http://schemas.openxmlformats.org/markup-compatibility/2006" xmlns:p14="http://schemas.microsoft.com/office/powerpoint/2010/main">
+    <mc:Choice Requires="p14">
       <p:transition spd="med" p14:dur="700">
         <p:fade/>
       </p:transition>
     </mc:Choice>
-    <mc:Fallback>
+    <mc:Fallback xmlns="">
       <p:transition spd="med">
         <p:fade/>
       </p:transition>
@@ -16097,7 +16102,7 @@
           <a:p>
             <a:fld id="{A23A578B-D289-4C40-8593-3D356C49DA58}" type="datetime1">
               <a:rPr lang="en-US" smtClean="0"/>
-              <a:t>4/28/25</a:t>
+              <a:t>4/29/25</a:t>
             </a:fld>
             <a:endParaRPr lang="en-US"/>
           </a:p>
@@ -16167,13 +16172,13 @@
   <p:clrMapOvr>
     <a:masterClrMapping/>
   </p:clrMapOvr>
-  <mc:AlternateContent xmlns:mc="http://schemas.openxmlformats.org/markup-compatibility/2006">
-    <mc:Choice xmlns:p14="http://schemas.microsoft.com/office/powerpoint/2010/main" Requires="p14">
+  <mc:AlternateContent xmlns:mc="http://schemas.openxmlformats.org/markup-compatibility/2006" xmlns:p14="http://schemas.microsoft.com/office/powerpoint/2010/main">
+    <mc:Choice Requires="p14">
       <p:transition spd="med" p14:dur="700">
         <p:fade/>
       </p:transition>
     </mc:Choice>
-    <mc:Fallback>
+    <mc:Fallback xmlns="">
       <p:transition spd="med">
         <p:fade/>
       </p:transition>
@@ -16428,7 +16433,7 @@
           <a:p>
             <a:fld id="{713DFAE3-14DB-48A7-A80F-80DDB072CE3D}" type="datetime1">
               <a:rPr lang="en-US" smtClean="0"/>
-              <a:t>4/28/25</a:t>
+              <a:t>4/29/25</a:t>
             </a:fld>
             <a:endParaRPr lang="en-US"/>
           </a:p>
@@ -16498,13 +16503,13 @@
   <p:clrMapOvr>
     <a:masterClrMapping/>
   </p:clrMapOvr>
-  <mc:AlternateContent xmlns:mc="http://schemas.openxmlformats.org/markup-compatibility/2006">
-    <mc:Choice xmlns:p14="http://schemas.microsoft.com/office/powerpoint/2010/main" Requires="p14">
+  <mc:AlternateContent xmlns:mc="http://schemas.openxmlformats.org/markup-compatibility/2006" xmlns:p14="http://schemas.microsoft.com/office/powerpoint/2010/main">
+    <mc:Choice Requires="p14">
       <p:transition spd="med" p14:dur="700">
         <p:fade/>
       </p:transition>
     </mc:Choice>
-    <mc:Fallback>
+    <mc:Fallback xmlns="">
       <p:transition spd="med">
         <p:fade/>
       </p:transition>
@@ -16734,7 +16739,7 @@
           <a:p>
             <a:fld id="{92C5EAEF-6478-4102-8F5D-A5FE9FC97ACB}" type="datetime1">
               <a:rPr lang="en-US" smtClean="0"/>
-              <a:t>4/28/25</a:t>
+              <a:t>4/29/25</a:t>
             </a:fld>
             <a:endParaRPr lang="en-US"/>
           </a:p>
@@ -16804,13 +16809,13 @@
   <p:clrMapOvr>
     <a:masterClrMapping/>
   </p:clrMapOvr>
-  <mc:AlternateContent xmlns:mc="http://schemas.openxmlformats.org/markup-compatibility/2006">
-    <mc:Choice xmlns:p14="http://schemas.microsoft.com/office/powerpoint/2010/main" Requires="p14">
+  <mc:AlternateContent xmlns:mc="http://schemas.openxmlformats.org/markup-compatibility/2006" xmlns:p14="http://schemas.microsoft.com/office/powerpoint/2010/main">
+    <mc:Choice Requires="p14">
       <p:transition spd="med" p14:dur="700">
         <p:fade/>
       </p:transition>
     </mc:Choice>
-    <mc:Fallback>
+    <mc:Fallback xmlns="">
       <p:transition spd="med">
         <p:fade/>
       </p:transition>
@@ -16987,7 +16992,7 @@
           <a:p>
             <a:fld id="{67F45AC6-C491-4585-A584-9CE2AF7D5500}" type="datetime1">
               <a:rPr lang="en-US" smtClean="0"/>
-              <a:t>4/28/25</a:t>
+              <a:t>4/29/25</a:t>
             </a:fld>
             <a:endParaRPr lang="en-US"/>
           </a:p>
@@ -17100,13 +17105,13 @@
     <p:sldLayoutId id="2147483697" r:id="rId10"/>
     <p:sldLayoutId id="2147483696" r:id="rId11"/>
   </p:sldLayoutIdLst>
-  <mc:AlternateContent xmlns:mc="http://schemas.openxmlformats.org/markup-compatibility/2006">
-    <mc:Choice xmlns:p14="http://schemas.microsoft.com/office/powerpoint/2010/main" Requires="p14">
+  <mc:AlternateContent xmlns:mc="http://schemas.openxmlformats.org/markup-compatibility/2006" xmlns:p14="http://schemas.microsoft.com/office/powerpoint/2010/main">
+    <mc:Choice Requires="p14">
       <p:transition spd="med" p14:dur="700">
         <p:fade/>
       </p:transition>
     </mc:Choice>
-    <mc:Fallback>
+    <mc:Fallback xmlns="">
       <p:transition spd="med">
         <p:fade/>
       </p:transition>
@@ -17632,13 +17637,13 @@
   <p:clrMapOvr>
     <a:overrideClrMapping bg1="dk1" tx1="lt1" bg2="dk2" tx2="lt2" accent1="accent1" accent2="accent2" accent3="accent3" accent4="accent4" accent5="accent5" accent6="accent6" hlink="hlink" folHlink="folHlink"/>
   </p:clrMapOvr>
-  <mc:AlternateContent xmlns:mc="http://schemas.openxmlformats.org/markup-compatibility/2006">
-    <mc:Choice xmlns:p14="http://schemas.microsoft.com/office/powerpoint/2010/main" Requires="p14">
+  <mc:AlternateContent xmlns:mc="http://schemas.openxmlformats.org/markup-compatibility/2006" xmlns:p14="http://schemas.microsoft.com/office/powerpoint/2010/main">
+    <mc:Choice Requires="p14">
       <p:transition spd="med" p14:dur="700">
         <p:fade/>
       </p:transition>
     </mc:Choice>
-    <mc:Fallback>
+    <mc:Fallback xmlns="">
       <p:transition spd="med">
         <p:fade/>
       </p:transition>
@@ -17964,13 +17969,13 @@
   <p:clrMapOvr>
     <a:masterClrMapping/>
   </p:clrMapOvr>
-  <mc:AlternateContent xmlns:mc="http://schemas.openxmlformats.org/markup-compatibility/2006">
-    <mc:Choice xmlns:p14="http://schemas.microsoft.com/office/powerpoint/2010/main" Requires="p14">
+  <mc:AlternateContent xmlns:mc="http://schemas.openxmlformats.org/markup-compatibility/2006" xmlns:p14="http://schemas.microsoft.com/office/powerpoint/2010/main">
+    <mc:Choice Requires="p14">
       <p:transition spd="med" p14:dur="700">
         <p:fade/>
       </p:transition>
     </mc:Choice>
-    <mc:Fallback>
+    <mc:Fallback xmlns="">
       <p:transition spd="med">
         <p:fade/>
       </p:transition>
@@ -18431,10 +18436,11 @@
           </a:bodyPr>
           <a:lstStyle/>
           <a:p>
-            <a:pPr>
+            <a:pPr marL="0" indent="0">
               <a:lnSpc>
                 <a:spcPct val="110000"/>
               </a:lnSpc>
+              <a:buNone/>
             </a:pPr>
             <a:r>
               <a:rPr lang="en-US" sz="1500" dirty="0"/>
@@ -18506,13 +18512,13 @@
   <p:clrMapOvr>
     <a:masterClrMapping/>
   </p:clrMapOvr>
-  <mc:AlternateContent xmlns:mc="http://schemas.openxmlformats.org/markup-compatibility/2006">
-    <mc:Choice xmlns:p14="http://schemas.microsoft.com/office/powerpoint/2010/main" Requires="p14">
+  <mc:AlternateContent xmlns:mc="http://schemas.openxmlformats.org/markup-compatibility/2006" xmlns:p14="http://schemas.microsoft.com/office/powerpoint/2010/main">
+    <mc:Choice Requires="p14">
       <p:transition spd="med" p14:dur="700">
         <p:fade/>
       </p:transition>
     </mc:Choice>
-    <mc:Fallback>
+    <mc:Fallback xmlns="">
       <p:transition spd="med">
         <p:fade/>
       </p:transition>
@@ -18856,13 +18862,13 @@
   <p:clrMapOvr>
     <a:masterClrMapping/>
   </p:clrMapOvr>
-  <mc:AlternateContent xmlns:mc="http://schemas.openxmlformats.org/markup-compatibility/2006">
-    <mc:Choice xmlns:p14="http://schemas.microsoft.com/office/powerpoint/2010/main" Requires="p14">
+  <mc:AlternateContent xmlns:mc="http://schemas.openxmlformats.org/markup-compatibility/2006" xmlns:p14="http://schemas.microsoft.com/office/powerpoint/2010/main">
+    <mc:Choice Requires="p14">
       <p:transition spd="med" p14:dur="700">
         <p:fade/>
       </p:transition>
     </mc:Choice>
-    <mc:Fallback>
+    <mc:Fallback xmlns="">
       <p:transition spd="med">
         <p:fade/>
       </p:transition>
@@ -19152,13 +19158,13 @@
   <p:clrMapOvr>
     <a:masterClrMapping/>
   </p:clrMapOvr>
-  <mc:AlternateContent xmlns:mc="http://schemas.openxmlformats.org/markup-compatibility/2006">
-    <mc:Choice xmlns:p14="http://schemas.microsoft.com/office/powerpoint/2010/main" Requires="p14">
+  <mc:AlternateContent xmlns:mc="http://schemas.openxmlformats.org/markup-compatibility/2006" xmlns:p14="http://schemas.microsoft.com/office/powerpoint/2010/main">
+    <mc:Choice Requires="p14">
       <p:transition spd="med" p14:dur="700">
         <p:fade/>
       </p:transition>
     </mc:Choice>
-    <mc:Fallback>
+    <mc:Fallback xmlns="">
       <p:transition spd="med">
         <p:fade/>
       </p:transition>
@@ -19344,13 +19350,13 @@
   <p:clrMapOvr>
     <a:masterClrMapping/>
   </p:clrMapOvr>
-  <mc:AlternateContent xmlns:mc="http://schemas.openxmlformats.org/markup-compatibility/2006">
-    <mc:Choice xmlns:p14="http://schemas.microsoft.com/office/powerpoint/2010/main" Requires="p14">
+  <mc:AlternateContent xmlns:mc="http://schemas.openxmlformats.org/markup-compatibility/2006" xmlns:p14="http://schemas.microsoft.com/office/powerpoint/2010/main">
+    <mc:Choice Requires="p14">
       <p:transition spd="med" p14:dur="700">
         <p:fade/>
       </p:transition>
     </mc:Choice>
-    <mc:Fallback>
+    <mc:Fallback xmlns="">
       <p:transition spd="med">
         <p:fade/>
       </p:transition>
@@ -19565,13 +19571,13 @@
   <p:clrMapOvr>
     <a:masterClrMapping/>
   </p:clrMapOvr>
-  <mc:AlternateContent xmlns:mc="http://schemas.openxmlformats.org/markup-compatibility/2006">
-    <mc:Choice xmlns:p14="http://schemas.microsoft.com/office/powerpoint/2010/main" Requires="p14">
+  <mc:AlternateContent xmlns:mc="http://schemas.openxmlformats.org/markup-compatibility/2006" xmlns:p14="http://schemas.microsoft.com/office/powerpoint/2010/main">
+    <mc:Choice Requires="p14">
       <p:transition spd="med" p14:dur="700">
         <p:fade/>
       </p:transition>
     </mc:Choice>
-    <mc:Fallback>
+    <mc:Fallback xmlns="">
       <p:transition spd="med">
         <p:fade/>
       </p:transition>
@@ -19813,13 +19819,13 @@
   <p:clrMapOvr>
     <a:masterClrMapping/>
   </p:clrMapOvr>
-  <mc:AlternateContent xmlns:mc="http://schemas.openxmlformats.org/markup-compatibility/2006">
-    <mc:Choice xmlns:p14="http://schemas.microsoft.com/office/powerpoint/2010/main" Requires="p14">
+  <mc:AlternateContent xmlns:mc="http://schemas.openxmlformats.org/markup-compatibility/2006" xmlns:p14="http://schemas.microsoft.com/office/powerpoint/2010/main">
+    <mc:Choice Requires="p14">
       <p:transition spd="med" p14:dur="700">
         <p:fade/>
       </p:transition>
     </mc:Choice>
-    <mc:Fallback>
+    <mc:Fallback xmlns="">
       <p:transition spd="med">
         <p:fade/>
       </p:transition>
@@ -20060,13 +20066,13 @@
   <p:clrMapOvr>
     <a:masterClrMapping/>
   </p:clrMapOvr>
-  <mc:AlternateContent xmlns:mc="http://schemas.openxmlformats.org/markup-compatibility/2006">
-    <mc:Choice xmlns:p14="http://schemas.microsoft.com/office/powerpoint/2010/main" Requires="p14">
+  <mc:AlternateContent xmlns:mc="http://schemas.openxmlformats.org/markup-compatibility/2006" xmlns:p14="http://schemas.microsoft.com/office/powerpoint/2010/main">
+    <mc:Choice Requires="p14">
       <p:transition spd="med" p14:dur="700">
         <p:fade/>
       </p:transition>
     </mc:Choice>
-    <mc:Fallback>
+    <mc:Fallback xmlns="">
       <p:transition spd="med">
         <p:fade/>
       </p:transition>
